--- a/WCMC.Stat.OneWayRepANOVA/inst/www/temp.pptx
+++ b/WCMC.Stat.OneWayRepANOVA/inst/www/temp.pptx
@@ -242,7 +242,7 @@
           <a:p>
             <a:fld id="{1CB658BD-DBEE-41B2-A6B8-BB896E4B8E7A}" type="datetimeFigureOut">
               <a:rPr lang="en-US" smtClean="0"/>
-              <a:t>2/15/2017</a:t>
+              <a:t>3/6/2017</a:t>
             </a:fld>
             <a:endParaRPr lang="en-US"/>
           </a:p>
@@ -410,7 +410,7 @@
           <a:p>
             <a:fld id="{1CB658BD-DBEE-41B2-A6B8-BB896E4B8E7A}" type="datetimeFigureOut">
               <a:rPr lang="en-US" smtClean="0"/>
-              <a:t>2/15/2017</a:t>
+              <a:t>3/6/2017</a:t>
             </a:fld>
             <a:endParaRPr lang="en-US"/>
           </a:p>
@@ -588,7 +588,7 @@
           <a:p>
             <a:fld id="{1CB658BD-DBEE-41B2-A6B8-BB896E4B8E7A}" type="datetimeFigureOut">
               <a:rPr lang="en-US" smtClean="0"/>
-              <a:t>2/15/2017</a:t>
+              <a:t>3/6/2017</a:t>
             </a:fld>
             <a:endParaRPr lang="en-US"/>
           </a:p>
@@ -756,7 +756,7 @@
           <a:p>
             <a:fld id="{1CB658BD-DBEE-41B2-A6B8-BB896E4B8E7A}" type="datetimeFigureOut">
               <a:rPr lang="en-US" smtClean="0"/>
-              <a:t>2/15/2017</a:t>
+              <a:t>3/6/2017</a:t>
             </a:fld>
             <a:endParaRPr lang="en-US"/>
           </a:p>
@@ -1001,7 +1001,7 @@
           <a:p>
             <a:fld id="{1CB658BD-DBEE-41B2-A6B8-BB896E4B8E7A}" type="datetimeFigureOut">
               <a:rPr lang="en-US" smtClean="0"/>
-              <a:t>2/15/2017</a:t>
+              <a:t>3/6/2017</a:t>
             </a:fld>
             <a:endParaRPr lang="en-US"/>
           </a:p>
@@ -1230,7 +1230,7 @@
           <a:p>
             <a:fld id="{1CB658BD-DBEE-41B2-A6B8-BB896E4B8E7A}" type="datetimeFigureOut">
               <a:rPr lang="en-US" smtClean="0"/>
-              <a:t>2/15/2017</a:t>
+              <a:t>3/6/2017</a:t>
             </a:fld>
             <a:endParaRPr lang="en-US"/>
           </a:p>
@@ -1594,7 +1594,7 @@
           <a:p>
             <a:fld id="{1CB658BD-DBEE-41B2-A6B8-BB896E4B8E7A}" type="datetimeFigureOut">
               <a:rPr lang="en-US" smtClean="0"/>
-              <a:t>2/15/2017</a:t>
+              <a:t>3/6/2017</a:t>
             </a:fld>
             <a:endParaRPr lang="en-US"/>
           </a:p>
@@ -1711,7 +1711,7 @@
           <a:p>
             <a:fld id="{1CB658BD-DBEE-41B2-A6B8-BB896E4B8E7A}" type="datetimeFigureOut">
               <a:rPr lang="en-US" smtClean="0"/>
-              <a:t>2/15/2017</a:t>
+              <a:t>3/6/2017</a:t>
             </a:fld>
             <a:endParaRPr lang="en-US"/>
           </a:p>
@@ -1806,7 +1806,7 @@
           <a:p>
             <a:fld id="{1CB658BD-DBEE-41B2-A6B8-BB896E4B8E7A}" type="datetimeFigureOut">
               <a:rPr lang="en-US" smtClean="0"/>
-              <a:t>2/15/2017</a:t>
+              <a:t>3/6/2017</a:t>
             </a:fld>
             <a:endParaRPr lang="en-US"/>
           </a:p>
@@ -2081,7 +2081,7 @@
           <a:p>
             <a:fld id="{1CB658BD-DBEE-41B2-A6B8-BB896E4B8E7A}" type="datetimeFigureOut">
               <a:rPr lang="en-US" smtClean="0"/>
-              <a:t>2/15/2017</a:t>
+              <a:t>3/6/2017</a:t>
             </a:fld>
             <a:endParaRPr lang="en-US"/>
           </a:p>
@@ -2333,7 +2333,7 @@
           <a:p>
             <a:fld id="{1CB658BD-DBEE-41B2-A6B8-BB896E4B8E7A}" type="datetimeFigureOut">
               <a:rPr lang="en-US" smtClean="0"/>
-              <a:t>2/15/2017</a:t>
+              <a:t>3/6/2017</a:t>
             </a:fld>
             <a:endParaRPr lang="en-US"/>
           </a:p>
@@ -2544,7 +2544,7 @@
           <a:p>
             <a:fld id="{1CB658BD-DBEE-41B2-A6B8-BB896E4B8E7A}" type="datetimeFigureOut">
               <a:rPr lang="en-US" smtClean="0"/>
-              <a:t>2/15/2017</a:t>
+              <a:t>3/6/2017</a:t>
             </a:fld>
             <a:endParaRPr lang="en-US"/>
           </a:p>
@@ -3282,8 +3282,41 @@
         </p:nvCxnSpPr>
         <p:spPr>
           <a:xfrm>
-            <a:off x="3657599" y="1791475"/>
-            <a:ext cx="0" cy="311727"/>
+            <a:off x="3291794" y="2586038"/>
+            <a:ext cx="672" cy="2021723"/>
+          </a:xfrm>
+          <a:prstGeom prst="straightConnector1">
+            <a:avLst/>
+          </a:prstGeom>
+          <a:ln>
+            <a:tailEnd type="triangle"/>
+          </a:ln>
+        </p:spPr>
+        <p:style>
+          <a:lnRef idx="1">
+            <a:schemeClr val="accent5"/>
+          </a:lnRef>
+          <a:fillRef idx="0">
+            <a:schemeClr val="accent5"/>
+          </a:fillRef>
+          <a:effectRef idx="0">
+            <a:schemeClr val="accent5"/>
+          </a:effectRef>
+          <a:fontRef idx="minor">
+            <a:schemeClr val="tx1"/>
+          </a:fontRef>
+        </p:style>
+      </p:cxnSp>
+      <p:cxnSp>
+        <p:nvCxnSpPr>
+          <p:cNvPr id="22" name="Straight Arrow Connector 21"/>
+          <p:cNvCxnSpPr/>
+          <p:nvPr/>
+        </p:nvCxnSpPr>
+        <p:spPr>
+          <a:xfrm flipH="1" flipV="1">
+            <a:off x="8084381" y="2491574"/>
+            <a:ext cx="294083" cy="4156"/>
           </a:xfrm>
           <a:prstGeom prst="straightConnector1">
             <a:avLst/>
@@ -3310,15 +3343,83 @@
           </a:fontRef>
         </p:style>
       </p:cxnSp>
+      <p:sp>
+        <p:nvSpPr>
+          <p:cNvPr id="28" name="TextBox 27"/>
+          <p:cNvSpPr txBox="1"/>
+          <p:nvPr/>
+        </p:nvSpPr>
+        <p:spPr>
+          <a:xfrm>
+            <a:off x="8282148" y="2377609"/>
+            <a:ext cx="976745" cy="215444"/>
+          </a:xfrm>
+          <a:prstGeom prst="rect">
+            <a:avLst/>
+          </a:prstGeom>
+          <a:noFill/>
+        </p:spPr>
+        <p:txBody>
+          <a:bodyPr wrap="square" rtlCol="0">
+            <a:spAutoFit/>
+          </a:bodyPr>
+          <a:lstStyle/>
+          <a:p>
+            <a:r>
+              <a:rPr lang="en-US" sz="800" dirty="0">
+                <a:solidFill>
+                  <a:srgbClr val="92D050"/>
+                </a:solidFill>
+              </a:rPr>
+              <a:t>sample label</a:t>
+            </a:r>
+          </a:p>
+        </p:txBody>
+      </p:sp>
+      <p:sp>
+        <p:nvSpPr>
+          <p:cNvPr id="18" name="TextBox 17"/>
+          <p:cNvSpPr txBox="1"/>
+          <p:nvPr/>
+        </p:nvSpPr>
+        <p:spPr>
+          <a:xfrm rot="10800000">
+            <a:off x="3034796" y="2803884"/>
+            <a:ext cx="338554" cy="1269641"/>
+          </a:xfrm>
+          <a:prstGeom prst="rect">
+            <a:avLst/>
+          </a:prstGeom>
+          <a:noFill/>
+        </p:spPr>
+        <p:txBody>
+          <a:bodyPr vert="eaVert" wrap="square" rtlCol="0">
+            <a:spAutoFit/>
+          </a:bodyPr>
+          <a:lstStyle/>
+          <a:p>
+            <a:r>
+              <a:rPr lang="en-US" sz="1000" dirty="0">
+                <a:solidFill>
+                  <a:schemeClr val="accent1">
+                    <a:lumMod val="50000"/>
+                  </a:schemeClr>
+                </a:solidFill>
+              </a:rPr>
+              <a:t>Compound label</a:t>
+            </a:r>
+          </a:p>
+        </p:txBody>
+      </p:sp>
       <p:cxnSp>
         <p:nvCxnSpPr>
-          <p:cNvPr id="22" name="Straight Arrow Connector 21"/>
+          <p:cNvPr id="23" name="Straight Arrow Connector 22"/>
           <p:cNvCxnSpPr/>
           <p:nvPr/>
         </p:nvCxnSpPr>
         <p:spPr>
           <a:xfrm flipH="1" flipV="1">
-            <a:off x="8615328" y="2210924"/>
+            <a:off x="8075378" y="2297105"/>
             <a:ext cx="294083" cy="4156"/>
           </a:xfrm>
           <a:prstGeom prst="straightConnector1">
@@ -3348,14 +3449,14 @@
       </p:cxnSp>
       <p:sp>
         <p:nvSpPr>
-          <p:cNvPr id="26" name="TextBox 25"/>
+          <p:cNvPr id="24" name="TextBox 23"/>
           <p:cNvSpPr txBox="1"/>
           <p:nvPr/>
         </p:nvSpPr>
         <p:spPr>
           <a:xfrm>
-            <a:off x="3126623" y="1576031"/>
-            <a:ext cx="1061951" cy="215444"/>
+            <a:off x="8296284" y="2171609"/>
+            <a:ext cx="976745" cy="215444"/>
           </a:xfrm>
           <a:prstGeom prst="rect">
             <a:avLst/>
@@ -3374,21 +3475,57 @@
                   <a:srgbClr val="92D050"/>
                 </a:solidFill>
               </a:rPr>
-              <a:t>Any compound index</a:t>
-            </a:r>
-          </a:p>
-        </p:txBody>
-      </p:sp>
-      <p:sp>
-        <p:nvSpPr>
-          <p:cNvPr id="28" name="TextBox 27"/>
+              <a:t>groups</a:t>
+            </a:r>
+          </a:p>
+        </p:txBody>
+      </p:sp>
+      <p:cxnSp>
+        <p:nvCxnSpPr>
+          <p:cNvPr id="19" name="Straight Arrow Connector 18"/>
+          <p:cNvCxnSpPr/>
+          <p:nvPr/>
+        </p:nvCxnSpPr>
+        <p:spPr>
+          <a:xfrm flipH="1" flipV="1">
+            <a:off x="8079080" y="2399235"/>
+            <a:ext cx="294083" cy="4156"/>
+          </a:xfrm>
+          <a:prstGeom prst="straightConnector1">
+            <a:avLst/>
+          </a:prstGeom>
+          <a:ln>
+            <a:solidFill>
+              <a:srgbClr val="FF0000"/>
+            </a:solidFill>
+            <a:tailEnd type="triangle"/>
+          </a:ln>
+        </p:spPr>
+        <p:style>
+          <a:lnRef idx="1">
+            <a:schemeClr val="accent1"/>
+          </a:lnRef>
+          <a:fillRef idx="0">
+            <a:schemeClr val="accent1"/>
+          </a:fillRef>
+          <a:effectRef idx="0">
+            <a:schemeClr val="accent1"/>
+          </a:effectRef>
+          <a:fontRef idx="minor">
+            <a:schemeClr val="tx1"/>
+          </a:fontRef>
+        </p:style>
+      </p:cxnSp>
+      <p:sp>
+        <p:nvSpPr>
+          <p:cNvPr id="21" name="TextBox 20"/>
           <p:cNvSpPr txBox="1"/>
           <p:nvPr/>
         </p:nvSpPr>
         <p:spPr>
           <a:xfrm>
-            <a:off x="8857949" y="2103202"/>
-            <a:ext cx="976745" cy="215444"/>
+            <a:off x="8289216" y="2286529"/>
+            <a:ext cx="2080334" cy="215444"/>
           </a:xfrm>
           <a:prstGeom prst="rect">
             <a:avLst/>
@@ -3402,40 +3539,39 @@
           <a:lstStyle/>
           <a:p>
             <a:r>
-              <a:rPr lang="en-US" sz="800" dirty="0">
+              <a:rPr lang="en-US" altLang="zh-CN" sz="800" dirty="0">
                 <a:solidFill>
-                  <a:srgbClr val="92D050"/>
+                  <a:srgbClr val="FF0000"/>
                 </a:solidFill>
               </a:rPr>
-              <a:t>Any sample index</a:t>
-            </a:r>
+              <a:t>matching unique sample IDs</a:t>
+            </a:r>
+            <a:endParaRPr lang="en-US" sz="800" dirty="0">
+              <a:solidFill>
+                <a:srgbClr val="FF0000"/>
+              </a:solidFill>
+            </a:endParaRPr>
           </a:p>
         </p:txBody>
       </p:sp>
       <p:pic>
         <p:nvPicPr>
-          <p:cNvPr id="6" name="Picture 5"/>
+          <p:cNvPr id="5" name="Picture 4"/>
           <p:cNvPicPr>
             <a:picLocks noChangeAspect="1"/>
           </p:cNvPicPr>
           <p:nvPr/>
         </p:nvPicPr>
         <p:blipFill>
-          <a:blip r:embed="rId4">
-            <a:extLst>
-              <a:ext uri="{28A0092B-C50C-407E-A947-70E740481C1C}">
-                <a14:useLocalDpi xmlns:a14="http://schemas.microsoft.com/office/drawing/2010/main" val="0"/>
-              </a:ext>
-            </a:extLst>
-          </a:blip>
+          <a:blip r:embed="rId4"/>
           <a:stretch>
             <a:fillRect/>
           </a:stretch>
         </p:blipFill>
         <p:spPr>
           <a:xfrm>
-            <a:off x="3377221" y="2150489"/>
-            <a:ext cx="5203665" cy="2677361"/>
+            <a:off x="3341310" y="2216986"/>
+            <a:ext cx="4743071" cy="2395928"/>
           </a:xfrm>
           <a:prstGeom prst="rect">
             <a:avLst/>
